--- a/doc/OS和eBPF工作计划.pptx
+++ b/doc/OS和eBPF工作计划.pptx
@@ -271,7 +271,7 @@
           <a:p>
             <a:fld id="{475A8808-3A84-4CCC-95BD-EE3136711AF9}" type="datetimeFigureOut">
               <a:rPr lang="zh-CN" altLang="en-US" smtClean="0"/>
-              <a:t>2023/11/19</a:t>
+              <a:t>2023/11/20</a:t>
             </a:fld>
             <a:endParaRPr lang="zh-CN" altLang="en-US"/>
           </a:p>
@@ -469,7 +469,7 @@
           <a:p>
             <a:fld id="{475A8808-3A84-4CCC-95BD-EE3136711AF9}" type="datetimeFigureOut">
               <a:rPr lang="zh-CN" altLang="en-US" smtClean="0"/>
-              <a:t>2023/11/19</a:t>
+              <a:t>2023/11/20</a:t>
             </a:fld>
             <a:endParaRPr lang="zh-CN" altLang="en-US"/>
           </a:p>
@@ -677,7 +677,7 @@
           <a:p>
             <a:fld id="{475A8808-3A84-4CCC-95BD-EE3136711AF9}" type="datetimeFigureOut">
               <a:rPr lang="zh-CN" altLang="en-US" smtClean="0"/>
-              <a:t>2023/11/19</a:t>
+              <a:t>2023/11/20</a:t>
             </a:fld>
             <a:endParaRPr lang="zh-CN" altLang="en-US"/>
           </a:p>
@@ -875,7 +875,7 @@
           <a:p>
             <a:fld id="{475A8808-3A84-4CCC-95BD-EE3136711AF9}" type="datetimeFigureOut">
               <a:rPr lang="zh-CN" altLang="en-US" smtClean="0"/>
-              <a:t>2023/11/19</a:t>
+              <a:t>2023/11/20</a:t>
             </a:fld>
             <a:endParaRPr lang="zh-CN" altLang="en-US"/>
           </a:p>
@@ -1150,7 +1150,7 @@
           <a:p>
             <a:fld id="{475A8808-3A84-4CCC-95BD-EE3136711AF9}" type="datetimeFigureOut">
               <a:rPr lang="zh-CN" altLang="en-US" smtClean="0"/>
-              <a:t>2023/11/19</a:t>
+              <a:t>2023/11/20</a:t>
             </a:fld>
             <a:endParaRPr lang="zh-CN" altLang="en-US"/>
           </a:p>
@@ -1415,7 +1415,7 @@
           <a:p>
             <a:fld id="{475A8808-3A84-4CCC-95BD-EE3136711AF9}" type="datetimeFigureOut">
               <a:rPr lang="zh-CN" altLang="en-US" smtClean="0"/>
-              <a:t>2023/11/19</a:t>
+              <a:t>2023/11/20</a:t>
             </a:fld>
             <a:endParaRPr lang="zh-CN" altLang="en-US"/>
           </a:p>
@@ -1827,7 +1827,7 @@
           <a:p>
             <a:fld id="{475A8808-3A84-4CCC-95BD-EE3136711AF9}" type="datetimeFigureOut">
               <a:rPr lang="zh-CN" altLang="en-US" smtClean="0"/>
-              <a:t>2023/11/19</a:t>
+              <a:t>2023/11/20</a:t>
             </a:fld>
             <a:endParaRPr lang="zh-CN" altLang="en-US"/>
           </a:p>
@@ -1968,7 +1968,7 @@
           <a:p>
             <a:fld id="{475A8808-3A84-4CCC-95BD-EE3136711AF9}" type="datetimeFigureOut">
               <a:rPr lang="zh-CN" altLang="en-US" smtClean="0"/>
-              <a:t>2023/11/19</a:t>
+              <a:t>2023/11/20</a:t>
             </a:fld>
             <a:endParaRPr lang="zh-CN" altLang="en-US"/>
           </a:p>
@@ -2081,7 +2081,7 @@
           <a:p>
             <a:fld id="{475A8808-3A84-4CCC-95BD-EE3136711AF9}" type="datetimeFigureOut">
               <a:rPr lang="zh-CN" altLang="en-US" smtClean="0"/>
-              <a:t>2023/11/19</a:t>
+              <a:t>2023/11/20</a:t>
             </a:fld>
             <a:endParaRPr lang="zh-CN" altLang="en-US"/>
           </a:p>
@@ -2392,7 +2392,7 @@
           <a:p>
             <a:fld id="{475A8808-3A84-4CCC-95BD-EE3136711AF9}" type="datetimeFigureOut">
               <a:rPr lang="zh-CN" altLang="en-US" smtClean="0"/>
-              <a:t>2023/11/19</a:t>
+              <a:t>2023/11/20</a:t>
             </a:fld>
             <a:endParaRPr lang="zh-CN" altLang="en-US"/>
           </a:p>
@@ -2680,7 +2680,7 @@
           <a:p>
             <a:fld id="{475A8808-3A84-4CCC-95BD-EE3136711AF9}" type="datetimeFigureOut">
               <a:rPr lang="zh-CN" altLang="en-US" smtClean="0"/>
-              <a:t>2023/11/19</a:t>
+              <a:t>2023/11/20</a:t>
             </a:fld>
             <a:endParaRPr lang="zh-CN" altLang="en-US"/>
           </a:p>
@@ -2921,7 +2921,7 @@
           <a:p>
             <a:fld id="{475A8808-3A84-4CCC-95BD-EE3136711AF9}" type="datetimeFigureOut">
               <a:rPr lang="zh-CN" altLang="en-US" smtClean="0"/>
-              <a:t>2023/11/19</a:t>
+              <a:t>2023/11/20</a:t>
             </a:fld>
             <a:endParaRPr lang="zh-CN" altLang="en-US"/>
           </a:p>
@@ -4051,7 +4051,7 @@
         <p:spPr>
           <a:xfrm>
             <a:off x="329866" y="397042"/>
-            <a:ext cx="11532268" cy="2862322"/>
+            <a:ext cx="11532268" cy="3693319"/>
           </a:xfrm>
           <a:prstGeom prst="rect">
             <a:avLst/>
@@ -4089,6 +4089,77 @@
                 <a:ea typeface="幼圆" panose="02010509060101010101" pitchFamily="49" charset="-122"/>
               </a:rPr>
               <a:t>工作计划</a:t>
+            </a:r>
+            <a:endParaRPr lang="en-US" altLang="zh-CN" dirty="0">
+              <a:latin typeface="IntelOne Mono" panose="020B0509020203020204" pitchFamily="49" charset="0"/>
+              <a:ea typeface="幼圆" panose="02010509060101010101" pitchFamily="49" charset="-122"/>
+            </a:endParaRPr>
+          </a:p>
+          <a:p>
+            <a:pPr marL="1257300" lvl="2" indent="-342900">
+              <a:lnSpc>
+                <a:spcPct val="150000"/>
+              </a:lnSpc>
+              <a:buFont typeface="+mj-lt"/>
+              <a:buAutoNum type="alphaLcParenR" startAt="7"/>
+            </a:pPr>
+            <a:r>
+              <a:rPr lang="zh-CN" altLang="en-US" dirty="0">
+                <a:latin typeface="IntelOne Mono" panose="020B0509020203020204" pitchFamily="49" charset="0"/>
+                <a:ea typeface="幼圆" panose="02010509060101010101" pitchFamily="49" charset="-122"/>
+              </a:rPr>
+              <a:t>麒麟</a:t>
+            </a:r>
+            <a:r>
+              <a:rPr lang="en-US" altLang="zh-CN" dirty="0">
+                <a:latin typeface="IntelOne Mono" panose="020B0509020203020204" pitchFamily="49" charset="0"/>
+                <a:ea typeface="幼圆" panose="02010509060101010101" pitchFamily="49" charset="-122"/>
+              </a:rPr>
+              <a:t>V10sp1</a:t>
+            </a:r>
+            <a:r>
+              <a:rPr lang="zh-CN" altLang="en-US" dirty="0">
+                <a:latin typeface="IntelOne Mono" panose="020B0509020203020204" pitchFamily="49" charset="0"/>
+                <a:ea typeface="幼圆" panose="02010509060101010101" pitchFamily="49" charset="-122"/>
+              </a:rPr>
+              <a:t>的</a:t>
+            </a:r>
+            <a:r>
+              <a:rPr lang="en-US" altLang="zh-CN" dirty="0" err="1">
+                <a:latin typeface="IntelOne Mono" panose="020B0509020203020204" pitchFamily="49" charset="0"/>
+                <a:ea typeface="幼圆" panose="02010509060101010101" pitchFamily="49" charset="-122"/>
+              </a:rPr>
+              <a:t>eBPF</a:t>
+            </a:r>
+            <a:r>
+              <a:rPr lang="zh-CN" altLang="en-US" dirty="0">
+                <a:latin typeface="IntelOne Mono" panose="020B0509020203020204" pitchFamily="49" charset="0"/>
+                <a:ea typeface="幼圆" panose="02010509060101010101" pitchFamily="49" charset="-122"/>
+              </a:rPr>
+              <a:t>功能适配。</a:t>
+            </a:r>
+            <a:r>
+              <a:rPr lang="en-US" altLang="zh-CN" dirty="0">
+                <a:latin typeface="IntelOne Mono" panose="020B0509020203020204" pitchFamily="49" charset="0"/>
+                <a:ea typeface="幼圆" panose="02010509060101010101" pitchFamily="49" charset="-122"/>
+              </a:rPr>
+              <a:t>	</a:t>
+            </a:r>
+          </a:p>
+          <a:p>
+            <a:pPr marL="1257300" lvl="2" indent="-342900">
+              <a:lnSpc>
+                <a:spcPct val="150000"/>
+              </a:lnSpc>
+              <a:buFont typeface="+mj-lt"/>
+              <a:buAutoNum type="alphaLcParenR" startAt="7"/>
+            </a:pPr>
+            <a:r>
+              <a:rPr lang="zh-CN" altLang="en-US">
+                <a:latin typeface="IntelOne Mono" panose="020B0509020203020204" pitchFamily="49" charset="0"/>
+                <a:ea typeface="幼圆" panose="02010509060101010101" pitchFamily="49" charset="-122"/>
+              </a:rPr>
+              <a:t>架构图优化。</a:t>
             </a:r>
             <a:endParaRPr lang="en-US" altLang="zh-CN" dirty="0">
               <a:latin typeface="IntelOne Mono" panose="020B0509020203020204" pitchFamily="49" charset="0"/>
@@ -4225,7 +4296,7 @@
               <a:t>	</a:t>
             </a:r>
             <a:r>
-              <a:rPr lang="zh-CN" altLang="en-US">
+              <a:rPr lang="zh-CN" altLang="en-US" dirty="0">
                 <a:latin typeface="IntelOne Mono" panose="020B0509020203020204" pitchFamily="49" charset="0"/>
                 <a:ea typeface="幼圆" panose="02010509060101010101" pitchFamily="49" charset="-122"/>
               </a:rPr>
